--- a/Лазоренко А.А. - PLSQL - демодень 2.pptx
+++ b/Лазоренко А.А. - PLSQL - демодень 2.pptx
@@ -213,7 +213,7 @@
           <a:p>
             <a:fld id="{9BE4FFAD-ED4A-4A2A-8D1B-C8A481BDF634}" type="datetimeFigureOut">
               <a:rPr lang="ru-RU" smtClean="0"/>
-              <a:t>21.12.2021</a:t>
+              <a:t>23.12.2021</a:t>
             </a:fld>
             <a:endParaRPr lang="ru-RU"/>
           </a:p>
@@ -612,7 +612,7 @@
           <a:p>
             <a:fld id="{1E2B2A76-6C0C-4015-B9FD-08DDCA98F9A6}" type="datetimeFigureOut">
               <a:rPr lang="ru-RU" smtClean="0"/>
-              <a:t>21.12.2021</a:t>
+              <a:t>23.12.2021</a:t>
             </a:fld>
             <a:endParaRPr lang="ru-RU"/>
           </a:p>
@@ -782,7 +782,7 @@
           <a:p>
             <a:fld id="{1E2B2A76-6C0C-4015-B9FD-08DDCA98F9A6}" type="datetimeFigureOut">
               <a:rPr lang="ru-RU" smtClean="0"/>
-              <a:t>21.12.2021</a:t>
+              <a:t>23.12.2021</a:t>
             </a:fld>
             <a:endParaRPr lang="ru-RU"/>
           </a:p>
@@ -962,7 +962,7 @@
           <a:p>
             <a:fld id="{1E2B2A76-6C0C-4015-B9FD-08DDCA98F9A6}" type="datetimeFigureOut">
               <a:rPr lang="ru-RU" smtClean="0"/>
-              <a:t>21.12.2021</a:t>
+              <a:t>23.12.2021</a:t>
             </a:fld>
             <a:endParaRPr lang="ru-RU"/>
           </a:p>
@@ -1132,7 +1132,7 @@
           <a:p>
             <a:fld id="{1E2B2A76-6C0C-4015-B9FD-08DDCA98F9A6}" type="datetimeFigureOut">
               <a:rPr lang="ru-RU" smtClean="0"/>
-              <a:t>21.12.2021</a:t>
+              <a:t>23.12.2021</a:t>
             </a:fld>
             <a:endParaRPr lang="ru-RU"/>
           </a:p>
@@ -1378,7 +1378,7 @@
           <a:p>
             <a:fld id="{1E2B2A76-6C0C-4015-B9FD-08DDCA98F9A6}" type="datetimeFigureOut">
               <a:rPr lang="ru-RU" smtClean="0"/>
-              <a:t>21.12.2021</a:t>
+              <a:t>23.12.2021</a:t>
             </a:fld>
             <a:endParaRPr lang="ru-RU"/>
           </a:p>
@@ -1610,7 +1610,7 @@
           <a:p>
             <a:fld id="{1E2B2A76-6C0C-4015-B9FD-08DDCA98F9A6}" type="datetimeFigureOut">
               <a:rPr lang="ru-RU" smtClean="0"/>
-              <a:t>21.12.2021</a:t>
+              <a:t>23.12.2021</a:t>
             </a:fld>
             <a:endParaRPr lang="ru-RU"/>
           </a:p>
@@ -1977,7 +1977,7 @@
           <a:p>
             <a:fld id="{1E2B2A76-6C0C-4015-B9FD-08DDCA98F9A6}" type="datetimeFigureOut">
               <a:rPr lang="ru-RU" smtClean="0"/>
-              <a:t>21.12.2021</a:t>
+              <a:t>23.12.2021</a:t>
             </a:fld>
             <a:endParaRPr lang="ru-RU"/>
           </a:p>
@@ -2095,7 +2095,7 @@
           <a:p>
             <a:fld id="{1E2B2A76-6C0C-4015-B9FD-08DDCA98F9A6}" type="datetimeFigureOut">
               <a:rPr lang="ru-RU" smtClean="0"/>
-              <a:t>21.12.2021</a:t>
+              <a:t>23.12.2021</a:t>
             </a:fld>
             <a:endParaRPr lang="ru-RU"/>
           </a:p>
@@ -2190,7 +2190,7 @@
           <a:p>
             <a:fld id="{1E2B2A76-6C0C-4015-B9FD-08DDCA98F9A6}" type="datetimeFigureOut">
               <a:rPr lang="ru-RU" smtClean="0"/>
-              <a:t>21.12.2021</a:t>
+              <a:t>23.12.2021</a:t>
             </a:fld>
             <a:endParaRPr lang="ru-RU"/>
           </a:p>
@@ -2467,7 +2467,7 @@
           <a:p>
             <a:fld id="{1E2B2A76-6C0C-4015-B9FD-08DDCA98F9A6}" type="datetimeFigureOut">
               <a:rPr lang="ru-RU" smtClean="0"/>
-              <a:t>21.12.2021</a:t>
+              <a:t>23.12.2021</a:t>
             </a:fld>
             <a:endParaRPr lang="ru-RU"/>
           </a:p>
@@ -2724,7 +2724,7 @@
           <a:p>
             <a:fld id="{1E2B2A76-6C0C-4015-B9FD-08DDCA98F9A6}" type="datetimeFigureOut">
               <a:rPr lang="ru-RU" smtClean="0"/>
-              <a:t>21.12.2021</a:t>
+              <a:t>23.12.2021</a:t>
             </a:fld>
             <a:endParaRPr lang="ru-RU"/>
           </a:p>
@@ -2937,7 +2937,7 @@
           <a:p>
             <a:fld id="{1E2B2A76-6C0C-4015-B9FD-08DDCA98F9A6}" type="datetimeFigureOut">
               <a:rPr lang="ru-RU" smtClean="0"/>
-              <a:t>21.12.2021</a:t>
+              <a:t>23.12.2021</a:t>
             </a:fld>
             <a:endParaRPr lang="ru-RU"/>
           </a:p>
@@ -7545,11 +7545,7 @@
             </a:r>
             <a:r>
               <a:rPr lang="ru-RU" sz="3600" dirty="0" smtClean="0"/>
-              <a:t>. </a:t>
-            </a:r>
-            <a:r>
-              <a:rPr lang="ru-RU" sz="3600" dirty="0" smtClean="0"/>
-              <a:t>Об обучении</a:t>
+              <a:t>. Об обучении</a:t>
             </a:r>
             <a:endParaRPr lang="ru-RU" sz="3600" dirty="0"/>
           </a:p>
@@ -7606,7 +7602,6 @@
               <a:rPr lang="ru-RU" sz="2400" dirty="0" smtClean="0"/>
               <a:t>Паттерн «Репозиторий – Сервис – Контроллер»</a:t>
             </a:r>
-            <a:endParaRPr lang="ru-RU" sz="2400" dirty="0" smtClean="0"/>
           </a:p>
         </p:txBody>
       </p:sp>
@@ -7814,17 +7809,8 @@
           <a:p>
             <a:r>
               <a:rPr lang="ru-RU" sz="2400" dirty="0" smtClean="0"/>
-              <a:t>Тема 7 </a:t>
-            </a:r>
-            <a:r>
-              <a:rPr lang="ru-RU" sz="2400" dirty="0" smtClean="0"/>
-              <a:t>– </a:t>
-            </a:r>
-            <a:r>
-              <a:rPr lang="ru-RU" sz="2400" dirty="0" smtClean="0"/>
-              <a:t>Типы и объекты</a:t>
-            </a:r>
-            <a:endParaRPr lang="ru-RU" sz="2400" dirty="0" smtClean="0"/>
+              <a:t>Тема 7 – Типы и объекты</a:t>
+            </a:r>
           </a:p>
         </p:txBody>
       </p:sp>
@@ -7893,11 +7879,7 @@
             </a:r>
             <a:r>
               <a:rPr lang="ru-RU" sz="3600" dirty="0" smtClean="0"/>
-              <a:t>. </a:t>
-            </a:r>
-            <a:r>
-              <a:rPr lang="ru-RU" sz="3600" dirty="0" smtClean="0"/>
-              <a:t>Сложности в обучении</a:t>
+              <a:t>. Сложности в обучении</a:t>
             </a:r>
             <a:endParaRPr lang="ru-RU" sz="3600" dirty="0"/>
           </a:p>
@@ -7945,7 +7927,6 @@
               <a:rPr lang="ru-RU" dirty="0" smtClean="0"/>
               <a:t>Необходимость вносить изменения в созданные типы и объекты по мере прохождения новых тем </a:t>
             </a:r>
-            <a:endParaRPr lang="ru-RU" dirty="0" smtClean="0"/>
           </a:p>
           <a:p>
             <a:pPr marL="0" indent="0">
@@ -8210,7 +8191,15 @@
           <a:p>
             <a:r>
               <a:rPr lang="ru-RU" dirty="0" smtClean="0"/>
-              <a:t>В ходе проекта изначальные варианты функций записи и отмены записи претерпели ряд изменений</a:t>
+              <a:t>В ходе проекта изначальные варианты </a:t>
+            </a:r>
+            <a:r>
+              <a:rPr lang="ru-RU" dirty="0" smtClean="0"/>
+              <a:t>функций, связанных с записью или отменой, претерпели </a:t>
+            </a:r>
+            <a:r>
+              <a:rPr lang="ru-RU" dirty="0" smtClean="0"/>
+              <a:t>ряд изменений</a:t>
             </a:r>
           </a:p>
           <a:p>
@@ -8248,14 +8237,6 @@
             <a:r>
               <a:rPr lang="ru-RU" dirty="0" err="1" smtClean="0"/>
               <a:t>репозитории</a:t>
-            </a:r>
-            <a:r>
-              <a:rPr lang="ru-RU" dirty="0"/>
-              <a:t>.</a:t>
-            </a:r>
-            <a:r>
-              <a:rPr lang="ru-RU" dirty="0" smtClean="0"/>
-              <a:t> </a:t>
             </a:r>
             <a:endParaRPr lang="ru-RU" dirty="0"/>
           </a:p>
@@ -8347,7 +8328,7 @@
           <p:nvPr>
             <p:extLst>
               <p:ext uri="{D42A27DB-BD31-4B8C-83A1-F6EECF244321}">
-                <p14:modId xmlns:p14="http://schemas.microsoft.com/office/powerpoint/2010/main" val="1978039918"/>
+                <p14:modId xmlns:p14="http://schemas.microsoft.com/office/powerpoint/2010/main" val="1477803121"/>
               </p:ext>
             </p:extLst>
           </p:nvPr>
@@ -11080,7 +11061,15 @@
           <a:p>
             <a:r>
               <a:rPr lang="ru-RU" sz="3600" dirty="0" smtClean="0"/>
-              <a:t>4.3. Контроллер – Сервис - Репозиторий</a:t>
+              <a:t>4.3. Контроллер – Сервис </a:t>
+            </a:r>
+            <a:r>
+              <a:rPr lang="ru-RU" sz="3600" dirty="0" smtClean="0"/>
+              <a:t>– </a:t>
+            </a:r>
+            <a:r>
+              <a:rPr lang="ru-RU" sz="3600" dirty="0" smtClean="0"/>
+              <a:t>Репозиторий</a:t>
             </a:r>
             <a:endParaRPr lang="ru-RU" sz="3600" dirty="0"/>
           </a:p>
